--- a/docs/images/glycosidic_linkage.pptx
+++ b/docs/images/glycosidic_linkage.pptx
@@ -288,7 +288,7 @@
           <a:p>
             <a:fld id="{B18C63DC-64AD-0445-8E17-229DC5F2450E}" type="datetimeFigureOut">
               <a:rPr lang="en-US" smtClean="0"/>
-              <a:t>27/08/18</a:t>
+              <a:t>29/08/18</a:t>
             </a:fld>
             <a:endParaRPr lang="en-US"/>
           </a:p>
@@ -458,7 +458,7 @@
           <a:p>
             <a:fld id="{B18C63DC-64AD-0445-8E17-229DC5F2450E}" type="datetimeFigureOut">
               <a:rPr lang="en-US" smtClean="0"/>
-              <a:t>27/08/18</a:t>
+              <a:t>29/08/18</a:t>
             </a:fld>
             <a:endParaRPr lang="en-US"/>
           </a:p>
@@ -638,7 +638,7 @@
           <a:p>
             <a:fld id="{B18C63DC-64AD-0445-8E17-229DC5F2450E}" type="datetimeFigureOut">
               <a:rPr lang="en-US" smtClean="0"/>
-              <a:t>27/08/18</a:t>
+              <a:t>29/08/18</a:t>
             </a:fld>
             <a:endParaRPr lang="en-US"/>
           </a:p>
@@ -808,7 +808,7 @@
           <a:p>
             <a:fld id="{B18C63DC-64AD-0445-8E17-229DC5F2450E}" type="datetimeFigureOut">
               <a:rPr lang="en-US" smtClean="0"/>
-              <a:t>27/08/18</a:t>
+              <a:t>29/08/18</a:t>
             </a:fld>
             <a:endParaRPr lang="en-US"/>
           </a:p>
@@ -1054,7 +1054,7 @@
           <a:p>
             <a:fld id="{B18C63DC-64AD-0445-8E17-229DC5F2450E}" type="datetimeFigureOut">
               <a:rPr lang="en-US" smtClean="0"/>
-              <a:t>27/08/18</a:t>
+              <a:t>29/08/18</a:t>
             </a:fld>
             <a:endParaRPr lang="en-US"/>
           </a:p>
@@ -1342,7 +1342,7 @@
           <a:p>
             <a:fld id="{B18C63DC-64AD-0445-8E17-229DC5F2450E}" type="datetimeFigureOut">
               <a:rPr lang="en-US" smtClean="0"/>
-              <a:t>27/08/18</a:t>
+              <a:t>29/08/18</a:t>
             </a:fld>
             <a:endParaRPr lang="en-US"/>
           </a:p>
@@ -1764,7 +1764,7 @@
           <a:p>
             <a:fld id="{B18C63DC-64AD-0445-8E17-229DC5F2450E}" type="datetimeFigureOut">
               <a:rPr lang="en-US" smtClean="0"/>
-              <a:t>27/08/18</a:t>
+              <a:t>29/08/18</a:t>
             </a:fld>
             <a:endParaRPr lang="en-US"/>
           </a:p>
@@ -1882,7 +1882,7 @@
           <a:p>
             <a:fld id="{B18C63DC-64AD-0445-8E17-229DC5F2450E}" type="datetimeFigureOut">
               <a:rPr lang="en-US" smtClean="0"/>
-              <a:t>27/08/18</a:t>
+              <a:t>29/08/18</a:t>
             </a:fld>
             <a:endParaRPr lang="en-US"/>
           </a:p>
@@ -1977,7 +1977,7 @@
           <a:p>
             <a:fld id="{B18C63DC-64AD-0445-8E17-229DC5F2450E}" type="datetimeFigureOut">
               <a:rPr lang="en-US" smtClean="0"/>
-              <a:t>27/08/18</a:t>
+              <a:t>29/08/18</a:t>
             </a:fld>
             <a:endParaRPr lang="en-US"/>
           </a:p>
@@ -2254,7 +2254,7 @@
           <a:p>
             <a:fld id="{B18C63DC-64AD-0445-8E17-229DC5F2450E}" type="datetimeFigureOut">
               <a:rPr lang="en-US" smtClean="0"/>
-              <a:t>27/08/18</a:t>
+              <a:t>29/08/18</a:t>
             </a:fld>
             <a:endParaRPr lang="en-US"/>
           </a:p>
@@ -2507,7 +2507,7 @@
           <a:p>
             <a:fld id="{B18C63DC-64AD-0445-8E17-229DC5F2450E}" type="datetimeFigureOut">
               <a:rPr lang="en-US" smtClean="0"/>
-              <a:t>27/08/18</a:t>
+              <a:t>29/08/18</a:t>
             </a:fld>
             <a:endParaRPr lang="en-US"/>
           </a:p>
@@ -2720,7 +2720,7 @@
           <a:p>
             <a:fld id="{B18C63DC-64AD-0445-8E17-229DC5F2450E}" type="datetimeFigureOut">
               <a:rPr lang="en-US" smtClean="0"/>
-              <a:t>27/08/18</a:t>
+              <a:t>29/08/18</a:t>
             </a:fld>
             <a:endParaRPr lang="en-US"/>
           </a:p>
@@ -3648,574 +3648,559 @@
           </a:p>
         </p:txBody>
       </p:sp>
-      <p:grpSp>
-        <p:nvGrpSpPr>
-          <p:cNvPr id="31" name="Group 30"/>
-          <p:cNvGrpSpPr/>
+      <p:cxnSp>
+        <p:nvCxnSpPr>
+          <p:cNvPr id="32" name="Straight Connector 31"/>
+          <p:cNvCxnSpPr/>
           <p:nvPr/>
-        </p:nvGrpSpPr>
-        <p:grpSpPr>
-          <a:xfrm>
-            <a:off x="4029526" y="1782489"/>
-            <a:ext cx="2633578" cy="1862601"/>
-            <a:chOff x="1403685" y="1047719"/>
-            <a:chExt cx="2633578" cy="1862602"/>
-          </a:xfrm>
-        </p:grpSpPr>
-        <p:cxnSp>
-          <p:nvCxnSpPr>
-            <p:cNvPr id="32" name="Straight Connector 31"/>
-            <p:cNvCxnSpPr/>
-            <p:nvPr/>
-          </p:nvCxnSpPr>
-          <p:spPr>
-            <a:xfrm flipV="1">
-              <a:off x="2473158" y="1938421"/>
-              <a:ext cx="962526" cy="254000"/>
-            </a:xfrm>
-            <a:prstGeom prst="line">
-              <a:avLst/>
-            </a:prstGeom>
-            <a:ln>
-              <a:solidFill>
-                <a:schemeClr val="tx1"/>
-              </a:solidFill>
-            </a:ln>
-          </p:spPr>
-          <p:style>
-            <a:lnRef idx="2">
-              <a:schemeClr val="accent1"/>
-            </a:lnRef>
-            <a:fillRef idx="0">
-              <a:schemeClr val="accent1"/>
-            </a:fillRef>
-            <a:effectRef idx="1">
-              <a:schemeClr val="accent1"/>
-            </a:effectRef>
-            <a:fontRef idx="minor">
+        </p:nvCxnSpPr>
+        <p:spPr>
+          <a:xfrm flipV="1">
+            <a:off x="5098999" y="2673191"/>
+            <a:ext cx="962526" cy="254000"/>
+          </a:xfrm>
+          <a:prstGeom prst="line">
+            <a:avLst/>
+          </a:prstGeom>
+          <a:ln>
+            <a:solidFill>
               <a:schemeClr val="tx1"/>
-            </a:fontRef>
-          </p:style>
-        </p:cxnSp>
-        <p:sp>
-          <p:nvSpPr>
-            <p:cNvPr id="33" name="TextBox 32"/>
-            <p:cNvSpPr txBox="1"/>
-            <p:nvPr/>
-          </p:nvSpPr>
-          <p:spPr>
-            <a:xfrm>
-              <a:off x="3388893" y="1657683"/>
-              <a:ext cx="548105" cy="369332"/>
-            </a:xfrm>
-            <a:prstGeom prst="rect">
-              <a:avLst/>
-            </a:prstGeom>
-            <a:noFill/>
-          </p:spPr>
-          <p:txBody>
-            <a:bodyPr wrap="square" rtlCol="0">
-              <a:spAutoFit/>
-            </a:bodyPr>
-            <a:lstStyle/>
-            <a:p>
-              <a:r>
-                <a:rPr lang="en-US" dirty="0" smtClean="0">
-                  <a:solidFill>
-                    <a:srgbClr val="000000"/>
-                  </a:solidFill>
-                </a:rPr>
-                <a:t>O</a:t>
-              </a:r>
-              <a:endParaRPr lang="en-US" dirty="0">
+            </a:solidFill>
+          </a:ln>
+        </p:spPr>
+        <p:style>
+          <a:lnRef idx="2">
+            <a:schemeClr val="accent1"/>
+          </a:lnRef>
+          <a:fillRef idx="0">
+            <a:schemeClr val="accent1"/>
+          </a:fillRef>
+          <a:effectRef idx="1">
+            <a:schemeClr val="accent1"/>
+          </a:effectRef>
+          <a:fontRef idx="minor">
+            <a:schemeClr val="tx1"/>
+          </a:fontRef>
+        </p:style>
+      </p:cxnSp>
+      <p:sp>
+        <p:nvSpPr>
+          <p:cNvPr id="33" name="TextBox 32"/>
+          <p:cNvSpPr txBox="1"/>
+          <p:nvPr/>
+        </p:nvSpPr>
+        <p:spPr>
+          <a:xfrm>
+            <a:off x="6014734" y="2392453"/>
+            <a:ext cx="548105" cy="369332"/>
+          </a:xfrm>
+          <a:prstGeom prst="rect">
+            <a:avLst/>
+          </a:prstGeom>
+          <a:noFill/>
+        </p:spPr>
+        <p:txBody>
+          <a:bodyPr wrap="square" rtlCol="0">
+            <a:spAutoFit/>
+          </a:bodyPr>
+          <a:lstStyle/>
+          <a:p>
+            <a:r>
+              <a:rPr lang="en-US" dirty="0" smtClean="0">
                 <a:solidFill>
                   <a:srgbClr val="000000"/>
                 </a:solidFill>
-              </a:endParaRPr>
-            </a:p>
-          </p:txBody>
-        </p:sp>
-        <p:cxnSp>
-          <p:nvCxnSpPr>
-            <p:cNvPr id="34" name="Straight Connector 33"/>
-            <p:cNvCxnSpPr/>
-            <p:nvPr/>
-          </p:nvCxnSpPr>
-          <p:spPr>
-            <a:xfrm>
-              <a:off x="3622842" y="1946806"/>
-              <a:ext cx="414421" cy="566457"/>
-            </a:xfrm>
-            <a:prstGeom prst="line">
-              <a:avLst/>
-            </a:prstGeom>
-            <a:ln>
+              </a:rPr>
+              <a:t>O</a:t>
+            </a:r>
+            <a:endParaRPr lang="en-US" dirty="0">
               <a:solidFill>
-                <a:schemeClr val="tx1"/>
+                <a:srgbClr val="000000"/>
               </a:solidFill>
-            </a:ln>
-          </p:spPr>
-          <p:style>
-            <a:lnRef idx="2">
-              <a:schemeClr val="accent1"/>
-            </a:lnRef>
-            <a:fillRef idx="0">
-              <a:schemeClr val="accent1"/>
-            </a:fillRef>
-            <a:effectRef idx="1">
-              <a:schemeClr val="accent1"/>
-            </a:effectRef>
-            <a:fontRef idx="minor">
-              <a:schemeClr val="tx1"/>
-            </a:fontRef>
-          </p:style>
-        </p:cxnSp>
-        <p:sp>
-          <p:nvSpPr>
-            <p:cNvPr id="35" name="Isosceles Triangle 34"/>
-            <p:cNvSpPr/>
-            <p:nvPr/>
-          </p:nvSpPr>
-          <p:spPr>
-            <a:xfrm rot="6300000">
-              <a:off x="3607828" y="1995894"/>
-              <a:ext cx="56766" cy="799672"/>
-            </a:xfrm>
-            <a:prstGeom prst="triangle">
-              <a:avLst/>
-            </a:prstGeom>
+            </a:endParaRPr>
+          </a:p>
+        </p:txBody>
+      </p:sp>
+      <p:cxnSp>
+        <p:nvCxnSpPr>
+          <p:cNvPr id="34" name="Straight Connector 33"/>
+          <p:cNvCxnSpPr/>
+          <p:nvPr/>
+        </p:nvCxnSpPr>
+        <p:spPr>
+          <a:xfrm>
+            <a:off x="6248683" y="2681576"/>
+            <a:ext cx="414421" cy="566457"/>
+          </a:xfrm>
+          <a:prstGeom prst="line">
+            <a:avLst/>
+          </a:prstGeom>
+          <a:ln>
             <a:solidFill>
               <a:schemeClr val="tx1"/>
             </a:solidFill>
-            <a:ln>
-              <a:solidFill>
-                <a:schemeClr val="tx1"/>
-              </a:solidFill>
-            </a:ln>
-          </p:spPr>
-          <p:style>
-            <a:lnRef idx="1">
-              <a:schemeClr val="accent1"/>
-            </a:lnRef>
-            <a:fillRef idx="3">
-              <a:schemeClr val="accent1"/>
-            </a:fillRef>
-            <a:effectRef idx="2">
-              <a:schemeClr val="accent1"/>
-            </a:effectRef>
-            <a:fontRef idx="minor">
-              <a:schemeClr val="lt1"/>
-            </a:fontRef>
-          </p:style>
-          <p:txBody>
-            <a:bodyPr rtlCol="0" anchor="ctr"/>
-            <a:lstStyle/>
-            <a:p>
-              <a:pPr algn="ctr"/>
-              <a:endParaRPr lang="en-US">
-                <a:solidFill>
-                  <a:srgbClr val="000000"/>
-                </a:solidFill>
-              </a:endParaRPr>
-            </a:p>
-          </p:txBody>
-        </p:sp>
-        <p:cxnSp>
-          <p:nvCxnSpPr>
-            <p:cNvPr id="36" name="Straight Connector 35"/>
-            <p:cNvCxnSpPr>
-              <a:stCxn id="35" idx="2"/>
-            </p:cNvCxnSpPr>
-            <p:nvPr/>
-          </p:nvCxnSpPr>
-          <p:spPr>
-            <a:xfrm flipH="1">
-              <a:off x="2272632" y="2264829"/>
-              <a:ext cx="984713" cy="555908"/>
-            </a:xfrm>
-            <a:prstGeom prst="line">
-              <a:avLst/>
-            </a:prstGeom>
-            <a:ln w="57150" cmpd="sng">
-              <a:solidFill>
-                <a:schemeClr val="tx1"/>
-              </a:solidFill>
-            </a:ln>
-          </p:spPr>
-          <p:style>
-            <a:lnRef idx="2">
-              <a:schemeClr val="accent1"/>
-            </a:lnRef>
-            <a:fillRef idx="0">
-              <a:schemeClr val="accent1"/>
-            </a:fillRef>
-            <a:effectRef idx="1">
-              <a:schemeClr val="accent1"/>
-            </a:effectRef>
-            <a:fontRef idx="minor">
-              <a:schemeClr val="tx1"/>
-            </a:fontRef>
-          </p:style>
-        </p:cxnSp>
-        <p:sp>
-          <p:nvSpPr>
-            <p:cNvPr id="37" name="Isosceles Triangle 36"/>
-            <p:cNvSpPr/>
-            <p:nvPr/>
-          </p:nvSpPr>
-          <p:spPr>
-            <a:xfrm rot="19440000">
-              <a:off x="2011106" y="2110649"/>
-              <a:ext cx="56766" cy="799672"/>
-            </a:xfrm>
-            <a:prstGeom prst="triangle">
-              <a:avLst/>
-            </a:prstGeom>
+          </a:ln>
+        </p:spPr>
+        <p:style>
+          <a:lnRef idx="2">
+            <a:schemeClr val="accent1"/>
+          </a:lnRef>
+          <a:fillRef idx="0">
+            <a:schemeClr val="accent1"/>
+          </a:fillRef>
+          <a:effectRef idx="1">
+            <a:schemeClr val="accent1"/>
+          </a:effectRef>
+          <a:fontRef idx="minor">
+            <a:schemeClr val="tx1"/>
+          </a:fontRef>
+        </p:style>
+      </p:cxnSp>
+      <p:sp>
+        <p:nvSpPr>
+          <p:cNvPr id="35" name="Isosceles Triangle 34"/>
+          <p:cNvSpPr/>
+          <p:nvPr/>
+        </p:nvSpPr>
+        <p:spPr>
+          <a:xfrm rot="6300000">
+            <a:off x="6233669" y="2730663"/>
+            <a:ext cx="56766" cy="799672"/>
+          </a:xfrm>
+          <a:prstGeom prst="triangle">
+            <a:avLst/>
+          </a:prstGeom>
+          <a:solidFill>
+            <a:schemeClr val="tx1"/>
+          </a:solidFill>
+          <a:ln>
             <a:solidFill>
               <a:schemeClr val="tx1"/>
             </a:solidFill>
-            <a:ln>
+          </a:ln>
+        </p:spPr>
+        <p:style>
+          <a:lnRef idx="1">
+            <a:schemeClr val="accent1"/>
+          </a:lnRef>
+          <a:fillRef idx="3">
+            <a:schemeClr val="accent1"/>
+          </a:fillRef>
+          <a:effectRef idx="2">
+            <a:schemeClr val="accent1"/>
+          </a:effectRef>
+          <a:fontRef idx="minor">
+            <a:schemeClr val="lt1"/>
+          </a:fontRef>
+        </p:style>
+        <p:txBody>
+          <a:bodyPr rtlCol="0" anchor="ctr"/>
+          <a:lstStyle/>
+          <a:p>
+            <a:pPr algn="ctr"/>
+            <a:endParaRPr lang="en-US">
               <a:solidFill>
-                <a:schemeClr val="tx1"/>
+                <a:srgbClr val="000000"/>
               </a:solidFill>
-            </a:ln>
-          </p:spPr>
-          <p:style>
-            <a:lnRef idx="1">
-              <a:schemeClr val="accent1"/>
-            </a:lnRef>
-            <a:fillRef idx="3">
-              <a:schemeClr val="accent1"/>
-            </a:fillRef>
-            <a:effectRef idx="2">
-              <a:schemeClr val="accent1"/>
-            </a:effectRef>
-            <a:fontRef idx="minor">
-              <a:schemeClr val="lt1"/>
-            </a:fontRef>
-          </p:style>
-          <p:txBody>
-            <a:bodyPr rtlCol="0" anchor="ctr"/>
-            <a:lstStyle/>
-            <a:p>
-              <a:pPr algn="ctr"/>
-              <a:endParaRPr lang="en-US">
-                <a:solidFill>
-                  <a:srgbClr val="000000"/>
-                </a:solidFill>
-              </a:endParaRPr>
-            </a:p>
-          </p:txBody>
-        </p:sp>
-        <p:cxnSp>
-          <p:nvCxnSpPr>
-            <p:cNvPr id="38" name="Straight Connector 37"/>
-            <p:cNvCxnSpPr>
-              <a:stCxn id="37" idx="0"/>
-            </p:cNvCxnSpPr>
-            <p:nvPr/>
-          </p:nvCxnSpPr>
-          <p:spPr>
-            <a:xfrm>
-              <a:off x="1804471" y="2187011"/>
-              <a:ext cx="668687" cy="5410"/>
-            </a:xfrm>
-            <a:prstGeom prst="line">
-              <a:avLst/>
-            </a:prstGeom>
-            <a:ln>
+            </a:endParaRPr>
+          </a:p>
+        </p:txBody>
+      </p:sp>
+      <p:cxnSp>
+        <p:nvCxnSpPr>
+          <p:cNvPr id="36" name="Straight Connector 35"/>
+          <p:cNvCxnSpPr>
+            <a:stCxn id="35" idx="2"/>
+          </p:cNvCxnSpPr>
+          <p:nvPr/>
+        </p:nvCxnSpPr>
+        <p:spPr>
+          <a:xfrm flipH="1">
+            <a:off x="4898473" y="2999598"/>
+            <a:ext cx="984713" cy="555908"/>
+          </a:xfrm>
+          <a:prstGeom prst="line">
+            <a:avLst/>
+          </a:prstGeom>
+          <a:ln w="57150" cmpd="sng">
+            <a:solidFill>
+              <a:schemeClr val="tx1"/>
+            </a:solidFill>
+          </a:ln>
+        </p:spPr>
+        <p:style>
+          <a:lnRef idx="2">
+            <a:schemeClr val="accent1"/>
+          </a:lnRef>
+          <a:fillRef idx="0">
+            <a:schemeClr val="accent1"/>
+          </a:fillRef>
+          <a:effectRef idx="1">
+            <a:schemeClr val="accent1"/>
+          </a:effectRef>
+          <a:fontRef idx="minor">
+            <a:schemeClr val="tx1"/>
+          </a:fontRef>
+        </p:style>
+      </p:cxnSp>
+      <p:sp>
+        <p:nvSpPr>
+          <p:cNvPr id="37" name="Isosceles Triangle 36"/>
+          <p:cNvSpPr/>
+          <p:nvPr/>
+        </p:nvSpPr>
+        <p:spPr>
+          <a:xfrm rot="19440000">
+            <a:off x="4636947" y="2845418"/>
+            <a:ext cx="56766" cy="799672"/>
+          </a:xfrm>
+          <a:prstGeom prst="triangle">
+            <a:avLst/>
+          </a:prstGeom>
+          <a:solidFill>
+            <a:schemeClr val="tx1"/>
+          </a:solidFill>
+          <a:ln>
+            <a:solidFill>
+              <a:schemeClr val="tx1"/>
+            </a:solidFill>
+          </a:ln>
+        </p:spPr>
+        <p:style>
+          <a:lnRef idx="1">
+            <a:schemeClr val="accent1"/>
+          </a:lnRef>
+          <a:fillRef idx="3">
+            <a:schemeClr val="accent1"/>
+          </a:fillRef>
+          <a:effectRef idx="2">
+            <a:schemeClr val="accent1"/>
+          </a:effectRef>
+          <a:fontRef idx="minor">
+            <a:schemeClr val="lt1"/>
+          </a:fontRef>
+        </p:style>
+        <p:txBody>
+          <a:bodyPr rtlCol="0" anchor="ctr"/>
+          <a:lstStyle/>
+          <a:p>
+            <a:pPr algn="ctr"/>
+            <a:endParaRPr lang="en-US">
               <a:solidFill>
-                <a:schemeClr val="tx1"/>
+                <a:srgbClr val="000000"/>
               </a:solidFill>
-            </a:ln>
-          </p:spPr>
-          <p:style>
-            <a:lnRef idx="2">
-              <a:schemeClr val="accent1"/>
-            </a:lnRef>
-            <a:fillRef idx="0">
-              <a:schemeClr val="accent1"/>
-            </a:fillRef>
-            <a:effectRef idx="1">
-              <a:schemeClr val="accent1"/>
-            </a:effectRef>
-            <a:fontRef idx="minor">
+            </a:endParaRPr>
+          </a:p>
+        </p:txBody>
+      </p:sp>
+      <p:cxnSp>
+        <p:nvCxnSpPr>
+          <p:cNvPr id="38" name="Straight Connector 37"/>
+          <p:cNvCxnSpPr>
+            <a:stCxn id="37" idx="0"/>
+          </p:cNvCxnSpPr>
+          <p:nvPr/>
+        </p:nvCxnSpPr>
+        <p:spPr>
+          <a:xfrm>
+            <a:off x="4430312" y="2921780"/>
+            <a:ext cx="668687" cy="5410"/>
+          </a:xfrm>
+          <a:prstGeom prst="line">
+            <a:avLst/>
+          </a:prstGeom>
+          <a:ln>
+            <a:solidFill>
               <a:schemeClr val="tx1"/>
-            </a:fontRef>
-          </p:style>
-        </p:cxnSp>
-        <p:cxnSp>
-          <p:nvCxnSpPr>
-            <p:cNvPr id="39" name="Straight Connector 38"/>
-            <p:cNvCxnSpPr>
-              <a:stCxn id="35" idx="2"/>
-            </p:cNvCxnSpPr>
-            <p:nvPr/>
-          </p:nvCxnSpPr>
-          <p:spPr>
-            <a:xfrm>
-              <a:off x="3257345" y="2264829"/>
-              <a:ext cx="178339" cy="261803"/>
-            </a:xfrm>
-            <a:prstGeom prst="line">
-              <a:avLst/>
-            </a:prstGeom>
-            <a:ln>
-              <a:solidFill>
-                <a:schemeClr val="tx1"/>
-              </a:solidFill>
-            </a:ln>
-          </p:spPr>
-          <p:style>
-            <a:lnRef idx="2">
-              <a:schemeClr val="accent1"/>
-            </a:lnRef>
-            <a:fillRef idx="0">
-              <a:schemeClr val="accent1"/>
-            </a:fillRef>
-            <a:effectRef idx="1">
-              <a:schemeClr val="accent1"/>
-            </a:effectRef>
-            <a:fontRef idx="minor">
+            </a:solidFill>
+          </a:ln>
+        </p:spPr>
+        <p:style>
+          <a:lnRef idx="2">
+            <a:schemeClr val="accent1"/>
+          </a:lnRef>
+          <a:fillRef idx="0">
+            <a:schemeClr val="accent1"/>
+          </a:fillRef>
+          <a:effectRef idx="1">
+            <a:schemeClr val="accent1"/>
+          </a:effectRef>
+          <a:fontRef idx="minor">
+            <a:schemeClr val="tx1"/>
+          </a:fontRef>
+        </p:style>
+      </p:cxnSp>
+      <p:cxnSp>
+        <p:nvCxnSpPr>
+          <p:cNvPr id="39" name="Straight Connector 38"/>
+          <p:cNvCxnSpPr>
+            <a:stCxn id="35" idx="2"/>
+          </p:cNvCxnSpPr>
+          <p:nvPr/>
+        </p:nvCxnSpPr>
+        <p:spPr>
+          <a:xfrm>
+            <a:off x="5883186" y="2999598"/>
+            <a:ext cx="178339" cy="261803"/>
+          </a:xfrm>
+          <a:prstGeom prst="line">
+            <a:avLst/>
+          </a:prstGeom>
+          <a:ln>
+            <a:solidFill>
               <a:schemeClr val="tx1"/>
-            </a:fontRef>
-          </p:style>
-        </p:cxnSp>
-        <p:cxnSp>
-          <p:nvCxnSpPr>
-            <p:cNvPr id="40" name="Straight Connector 39"/>
-            <p:cNvCxnSpPr>
-              <a:stCxn id="37" idx="3"/>
-            </p:cNvCxnSpPr>
-            <p:nvPr/>
-          </p:nvCxnSpPr>
-          <p:spPr>
-            <a:xfrm flipH="1" flipV="1">
-              <a:off x="1804471" y="2713789"/>
-              <a:ext cx="470036" cy="120170"/>
-            </a:xfrm>
-            <a:prstGeom prst="line">
-              <a:avLst/>
-            </a:prstGeom>
-            <a:ln>
-              <a:solidFill>
-                <a:schemeClr val="tx1"/>
-              </a:solidFill>
-            </a:ln>
-          </p:spPr>
-          <p:style>
-            <a:lnRef idx="2">
-              <a:schemeClr val="accent1"/>
-            </a:lnRef>
-            <a:fillRef idx="0">
-              <a:schemeClr val="accent1"/>
-            </a:fillRef>
-            <a:effectRef idx="1">
-              <a:schemeClr val="accent1"/>
-            </a:effectRef>
-            <a:fontRef idx="minor">
+            </a:solidFill>
+          </a:ln>
+        </p:spPr>
+        <p:style>
+          <a:lnRef idx="2">
+            <a:schemeClr val="accent1"/>
+          </a:lnRef>
+          <a:fillRef idx="0">
+            <a:schemeClr val="accent1"/>
+          </a:fillRef>
+          <a:effectRef idx="1">
+            <a:schemeClr val="accent1"/>
+          </a:effectRef>
+          <a:fontRef idx="minor">
+            <a:schemeClr val="tx1"/>
+          </a:fontRef>
+        </p:style>
+      </p:cxnSp>
+      <p:cxnSp>
+        <p:nvCxnSpPr>
+          <p:cNvPr id="40" name="Straight Connector 39"/>
+          <p:cNvCxnSpPr>
+            <a:stCxn id="37" idx="3"/>
+          </p:cNvCxnSpPr>
+          <p:nvPr/>
+        </p:nvCxnSpPr>
+        <p:spPr>
+          <a:xfrm flipH="1" flipV="1">
+            <a:off x="4321175" y="3419475"/>
+            <a:ext cx="579173" cy="149253"/>
+          </a:xfrm>
+          <a:prstGeom prst="line">
+            <a:avLst/>
+          </a:prstGeom>
+          <a:ln>
+            <a:solidFill>
               <a:schemeClr val="tx1"/>
-            </a:fontRef>
-          </p:style>
-        </p:cxnSp>
-        <p:cxnSp>
-          <p:nvCxnSpPr>
-            <p:cNvPr id="41" name="Straight Connector 40"/>
-            <p:cNvCxnSpPr>
-              <a:stCxn id="37" idx="0"/>
-            </p:cNvCxnSpPr>
-            <p:nvPr/>
-          </p:nvCxnSpPr>
-          <p:spPr>
-            <a:xfrm flipH="1">
-              <a:off x="1483895" y="2187011"/>
-              <a:ext cx="320576" cy="77818"/>
-            </a:xfrm>
-            <a:prstGeom prst="line">
-              <a:avLst/>
-            </a:prstGeom>
-            <a:ln>
-              <a:solidFill>
-                <a:schemeClr val="tx1"/>
-              </a:solidFill>
-            </a:ln>
-          </p:spPr>
-          <p:style>
-            <a:lnRef idx="2">
-              <a:schemeClr val="accent1"/>
-            </a:lnRef>
-            <a:fillRef idx="0">
-              <a:schemeClr val="accent1"/>
-            </a:fillRef>
-            <a:effectRef idx="1">
-              <a:schemeClr val="accent1"/>
-            </a:effectRef>
-            <a:fontRef idx="minor">
+            </a:solidFill>
+          </a:ln>
+        </p:spPr>
+        <p:style>
+          <a:lnRef idx="2">
+            <a:schemeClr val="accent1"/>
+          </a:lnRef>
+          <a:fillRef idx="0">
+            <a:schemeClr val="accent1"/>
+          </a:fillRef>
+          <a:effectRef idx="1">
+            <a:schemeClr val="accent1"/>
+          </a:effectRef>
+          <a:fontRef idx="minor">
+            <a:schemeClr val="tx1"/>
+          </a:fontRef>
+        </p:style>
+      </p:cxnSp>
+      <p:cxnSp>
+        <p:nvCxnSpPr>
+          <p:cNvPr id="41" name="Straight Connector 40"/>
+          <p:cNvCxnSpPr>
+            <a:stCxn id="37" idx="0"/>
+          </p:cNvCxnSpPr>
+          <p:nvPr/>
+        </p:nvCxnSpPr>
+        <p:spPr>
+          <a:xfrm flipH="1">
+            <a:off x="4109736" y="2921780"/>
+            <a:ext cx="320576" cy="151620"/>
+          </a:xfrm>
+          <a:prstGeom prst="line">
+            <a:avLst/>
+          </a:prstGeom>
+          <a:ln>
+            <a:solidFill>
               <a:schemeClr val="tx1"/>
-            </a:fontRef>
-          </p:style>
-        </p:cxnSp>
-        <p:cxnSp>
-          <p:nvCxnSpPr>
-            <p:cNvPr id="42" name="Straight Connector 41"/>
-            <p:cNvCxnSpPr/>
-            <p:nvPr/>
-          </p:nvCxnSpPr>
-          <p:spPr>
-            <a:xfrm flipH="1" flipV="1">
-              <a:off x="2032000" y="1844842"/>
-              <a:ext cx="441158" cy="325485"/>
-            </a:xfrm>
-            <a:prstGeom prst="line">
-              <a:avLst/>
-            </a:prstGeom>
-            <a:ln>
-              <a:solidFill>
-                <a:schemeClr val="tx1"/>
-              </a:solidFill>
-            </a:ln>
-          </p:spPr>
-          <p:style>
-            <a:lnRef idx="2">
-              <a:schemeClr val="accent1"/>
-            </a:lnRef>
-            <a:fillRef idx="0">
-              <a:schemeClr val="accent1"/>
-            </a:fillRef>
-            <a:effectRef idx="1">
-              <a:schemeClr val="accent1"/>
-            </a:effectRef>
-            <a:fontRef idx="minor">
+            </a:solidFill>
+          </a:ln>
+        </p:spPr>
+        <p:style>
+          <a:lnRef idx="2">
+            <a:schemeClr val="accent1"/>
+          </a:lnRef>
+          <a:fillRef idx="0">
+            <a:schemeClr val="accent1"/>
+          </a:fillRef>
+          <a:effectRef idx="1">
+            <a:schemeClr val="accent1"/>
+          </a:effectRef>
+          <a:fontRef idx="minor">
+            <a:schemeClr val="tx1"/>
+          </a:fontRef>
+        </p:style>
+      </p:cxnSp>
+      <p:cxnSp>
+        <p:nvCxnSpPr>
+          <p:cNvPr id="42" name="Straight Connector 41"/>
+          <p:cNvCxnSpPr/>
+          <p:nvPr/>
+        </p:nvCxnSpPr>
+        <p:spPr>
+          <a:xfrm flipH="1" flipV="1">
+            <a:off x="4657841" y="2579612"/>
+            <a:ext cx="441158" cy="325485"/>
+          </a:xfrm>
+          <a:prstGeom prst="line">
+            <a:avLst/>
+          </a:prstGeom>
+          <a:ln>
+            <a:solidFill>
               <a:schemeClr val="tx1"/>
-            </a:fontRef>
-          </p:style>
-        </p:cxnSp>
-        <p:cxnSp>
-          <p:nvCxnSpPr>
-            <p:cNvPr id="43" name="Straight Connector 42"/>
-            <p:cNvCxnSpPr/>
-            <p:nvPr/>
-          </p:nvCxnSpPr>
-          <p:spPr>
-            <a:xfrm flipV="1">
-              <a:off x="2032000" y="1363579"/>
-              <a:ext cx="240632" cy="481263"/>
-            </a:xfrm>
-            <a:prstGeom prst="line">
-              <a:avLst/>
-            </a:prstGeom>
-            <a:ln>
-              <a:solidFill>
-                <a:schemeClr val="tx1"/>
-              </a:solidFill>
-            </a:ln>
-          </p:spPr>
-          <p:style>
-            <a:lnRef idx="2">
-              <a:schemeClr val="accent1"/>
-            </a:lnRef>
-            <a:fillRef idx="0">
-              <a:schemeClr val="accent1"/>
-            </a:fillRef>
-            <a:effectRef idx="1">
-              <a:schemeClr val="accent1"/>
-            </a:effectRef>
-            <a:fontRef idx="minor">
+            </a:solidFill>
+          </a:ln>
+        </p:spPr>
+        <p:style>
+          <a:lnRef idx="2">
+            <a:schemeClr val="accent1"/>
+          </a:lnRef>
+          <a:fillRef idx="0">
+            <a:schemeClr val="accent1"/>
+          </a:fillRef>
+          <a:effectRef idx="1">
+            <a:schemeClr val="accent1"/>
+          </a:effectRef>
+          <a:fontRef idx="minor">
+            <a:schemeClr val="tx1"/>
+          </a:fontRef>
+        </p:style>
+      </p:cxnSp>
+      <p:cxnSp>
+        <p:nvCxnSpPr>
+          <p:cNvPr id="43" name="Straight Connector 42"/>
+          <p:cNvCxnSpPr/>
+          <p:nvPr/>
+        </p:nvCxnSpPr>
+        <p:spPr>
+          <a:xfrm flipV="1">
+            <a:off x="4657841" y="2098349"/>
+            <a:ext cx="240632" cy="481263"/>
+          </a:xfrm>
+          <a:prstGeom prst="line">
+            <a:avLst/>
+          </a:prstGeom>
+          <a:ln>
+            <a:solidFill>
               <a:schemeClr val="tx1"/>
-            </a:fontRef>
-          </p:style>
-        </p:cxnSp>
-        <p:sp>
-          <p:nvSpPr>
-            <p:cNvPr id="44" name="TextBox 43"/>
-            <p:cNvSpPr txBox="1"/>
-            <p:nvPr/>
-          </p:nvSpPr>
-          <p:spPr>
-            <a:xfrm>
-              <a:off x="3242653" y="2446424"/>
-              <a:ext cx="601579" cy="369332"/>
-            </a:xfrm>
-            <a:prstGeom prst="rect">
-              <a:avLst/>
-            </a:prstGeom>
-            <a:noFill/>
-          </p:spPr>
-          <p:txBody>
-            <a:bodyPr wrap="square" rtlCol="0">
-              <a:spAutoFit/>
-            </a:bodyPr>
-            <a:lstStyle/>
-            <a:p>
-              <a:r>
-                <a:rPr lang="en-US" dirty="0" smtClean="0"/>
-                <a:t>HO</a:t>
-              </a:r>
-              <a:endParaRPr lang="en-US" dirty="0"/>
-            </a:p>
-          </p:txBody>
-        </p:sp>
-        <p:sp>
-          <p:nvSpPr>
-            <p:cNvPr id="45" name="TextBox 44"/>
-            <p:cNvSpPr txBox="1"/>
-            <p:nvPr/>
-          </p:nvSpPr>
-          <p:spPr>
-            <a:xfrm>
-              <a:off x="1403685" y="2505247"/>
-              <a:ext cx="601579" cy="369332"/>
-            </a:xfrm>
-            <a:prstGeom prst="rect">
-              <a:avLst/>
-            </a:prstGeom>
-            <a:noFill/>
-          </p:spPr>
-          <p:txBody>
-            <a:bodyPr wrap="square" rtlCol="0">
-              <a:spAutoFit/>
-            </a:bodyPr>
-            <a:lstStyle/>
-            <a:p>
-              <a:r>
-                <a:rPr lang="en-US" dirty="0" smtClean="0"/>
-                <a:t>HO</a:t>
-              </a:r>
-              <a:endParaRPr lang="en-US" dirty="0"/>
-            </a:p>
-          </p:txBody>
-        </p:sp>
-        <p:sp>
-          <p:nvSpPr>
-            <p:cNvPr id="46" name="TextBox 45"/>
-            <p:cNvSpPr txBox="1"/>
-            <p:nvPr/>
-          </p:nvSpPr>
-          <p:spPr>
-            <a:xfrm>
-              <a:off x="2052050" y="1047719"/>
-              <a:ext cx="601579" cy="369332"/>
-            </a:xfrm>
-            <a:prstGeom prst="rect">
-              <a:avLst/>
-            </a:prstGeom>
-            <a:noFill/>
-          </p:spPr>
-          <p:txBody>
-            <a:bodyPr wrap="square" rtlCol="0">
-              <a:spAutoFit/>
-            </a:bodyPr>
-            <a:lstStyle/>
-            <a:p>
-              <a:r>
-                <a:rPr lang="en-US" dirty="0" smtClean="0"/>
-                <a:t>HO</a:t>
-              </a:r>
-              <a:endParaRPr lang="en-US" dirty="0"/>
-            </a:p>
-          </p:txBody>
-        </p:sp>
-      </p:grpSp>
+            </a:solidFill>
+          </a:ln>
+        </p:spPr>
+        <p:style>
+          <a:lnRef idx="2">
+            <a:schemeClr val="accent1"/>
+          </a:lnRef>
+          <a:fillRef idx="0">
+            <a:schemeClr val="accent1"/>
+          </a:fillRef>
+          <a:effectRef idx="1">
+            <a:schemeClr val="accent1"/>
+          </a:effectRef>
+          <a:fontRef idx="minor">
+            <a:schemeClr val="tx1"/>
+          </a:fontRef>
+        </p:style>
+      </p:cxnSp>
+      <p:sp>
+        <p:nvSpPr>
+          <p:cNvPr id="44" name="TextBox 43"/>
+          <p:cNvSpPr txBox="1"/>
+          <p:nvPr/>
+        </p:nvSpPr>
+        <p:spPr>
+          <a:xfrm>
+            <a:off x="5868494" y="3181193"/>
+            <a:ext cx="601579" cy="369332"/>
+          </a:xfrm>
+          <a:prstGeom prst="rect">
+            <a:avLst/>
+          </a:prstGeom>
+          <a:noFill/>
+        </p:spPr>
+        <p:txBody>
+          <a:bodyPr wrap="square" rtlCol="0">
+            <a:spAutoFit/>
+          </a:bodyPr>
+          <a:lstStyle/>
+          <a:p>
+            <a:r>
+              <a:rPr lang="en-US" dirty="0" smtClean="0"/>
+              <a:t>HO</a:t>
+            </a:r>
+            <a:endParaRPr lang="en-US" dirty="0"/>
+          </a:p>
+        </p:txBody>
+      </p:sp>
+      <p:sp>
+        <p:nvSpPr>
+          <p:cNvPr id="45" name="TextBox 44"/>
+          <p:cNvSpPr txBox="1"/>
+          <p:nvPr/>
+        </p:nvSpPr>
+        <p:spPr>
+          <a:xfrm>
+            <a:off x="3883023" y="3202599"/>
+            <a:ext cx="601579" cy="369332"/>
+          </a:xfrm>
+          <a:prstGeom prst="rect">
+            <a:avLst/>
+          </a:prstGeom>
+          <a:noFill/>
+        </p:spPr>
+        <p:txBody>
+          <a:bodyPr wrap="square" rtlCol="0">
+            <a:spAutoFit/>
+          </a:bodyPr>
+          <a:lstStyle/>
+          <a:p>
+            <a:r>
+              <a:rPr lang="en-US" dirty="0" smtClean="0"/>
+              <a:t>HO</a:t>
+            </a:r>
+            <a:endParaRPr lang="en-US" dirty="0"/>
+          </a:p>
+        </p:txBody>
+      </p:sp>
+      <p:sp>
+        <p:nvSpPr>
+          <p:cNvPr id="46" name="TextBox 45"/>
+          <p:cNvSpPr txBox="1"/>
+          <p:nvPr/>
+        </p:nvSpPr>
+        <p:spPr>
+          <a:xfrm>
+            <a:off x="4677891" y="1782489"/>
+            <a:ext cx="601579" cy="369332"/>
+          </a:xfrm>
+          <a:prstGeom prst="rect">
+            <a:avLst/>
+          </a:prstGeom>
+          <a:noFill/>
+        </p:spPr>
+        <p:txBody>
+          <a:bodyPr wrap="square" rtlCol="0">
+            <a:spAutoFit/>
+          </a:bodyPr>
+          <a:lstStyle/>
+          <a:p>
+            <a:r>
+              <a:rPr lang="en-US" dirty="0" smtClean="0"/>
+              <a:t>HO</a:t>
+            </a:r>
+            <a:endParaRPr lang="en-US" dirty="0"/>
+          </a:p>
+        </p:txBody>
+      </p:sp>
       <p:sp>
         <p:nvSpPr>
           <p:cNvPr id="48" name="TextBox 47"/>
@@ -4332,7 +4317,6 @@
               <a:rPr lang="en-US" dirty="0"/>
               <a:t>3</a:t>
             </a:r>
-            <a:endParaRPr lang="en-US" dirty="0"/>
           </a:p>
         </p:txBody>
       </p:sp>
@@ -4464,7 +4448,7 @@
         </p:nvSpPr>
         <p:spPr>
           <a:xfrm>
-            <a:off x="3850097" y="2850642"/>
+            <a:off x="3853049" y="2967305"/>
             <a:ext cx="548105" cy="369332"/>
           </a:xfrm>
           <a:prstGeom prst="rect">
@@ -4504,8 +4488,8 @@
         </p:nvCxnSpPr>
         <p:spPr>
           <a:xfrm flipH="1">
-            <a:off x="3962688" y="2499214"/>
-            <a:ext cx="59735" cy="427977"/>
+            <a:off x="3936998" y="2499214"/>
+            <a:ext cx="85425" cy="548786"/>
           </a:xfrm>
           <a:prstGeom prst="line">
             <a:avLst/>
@@ -4666,7 +4650,7 @@
         </p:nvSpPr>
         <p:spPr>
           <a:xfrm>
-            <a:off x="4276029" y="2580788"/>
+            <a:off x="4233381" y="2588860"/>
             <a:ext cx="421916" cy="369332"/>
           </a:xfrm>
           <a:prstGeom prst="rect">
@@ -4756,7 +4740,7 @@
         </p:nvSpPr>
         <p:spPr>
           <a:xfrm>
-            <a:off x="656894" y="3957056"/>
+            <a:off x="656894" y="4065056"/>
             <a:ext cx="2453103" cy="369332"/>
           </a:xfrm>
           <a:prstGeom prst="rect">
@@ -4796,7 +4780,7 @@
         </p:nvCxnSpPr>
         <p:spPr>
           <a:xfrm flipV="1">
-            <a:off x="1804471" y="3035308"/>
+            <a:off x="1807423" y="3151971"/>
             <a:ext cx="2045626" cy="1001955"/>
           </a:xfrm>
           <a:prstGeom prst="straightConnector1">
